--- a/John's Slides.pptx
+++ b/John's Slides.pptx
@@ -113,6 +113,22 @@
       </a:defRPr>
     </a:lvl9pPr>
   </p:defaultTextStyle>
+  <p:extLst>
+    <p:ext uri="{EFAFB233-063F-42B5-8137-9DF3F51BA10A}">
+      <p15:sldGuideLst xmlns:p15="http://schemas.microsoft.com/office/powerpoint/2012/main">
+        <p15:guide id="1" orient="horz" pos="2160">
+          <p15:clr>
+            <a:srgbClr val="A4A3A4"/>
+          </p15:clr>
+        </p15:guide>
+        <p15:guide id="2" pos="3840">
+          <p15:clr>
+            <a:srgbClr val="A4A3A4"/>
+          </p15:clr>
+        </p15:guide>
+      </p15:sldGuideLst>
+    </p:ext>
+  </p:extLst>
 </p:presentation>
 </file>
 
@@ -198,7 +214,7 @@
           <a:p>
             <a:fld id="{21EC824C-E48E-FA4D-A901-5E581957051E}" type="datetimeFigureOut">
               <a:rPr lang="en-US" smtClean="0"/>
-              <a:t>12/9/2015</a:t>
+              <a:t>12/9/15</a:t>
             </a:fld>
             <a:endParaRPr lang="en-US"/>
           </a:p>
@@ -597,7 +613,7 @@
           <a:p>
             <a:fld id="{DDADED73-3DFB-7641-B760-2A6E60A49006}" type="datetimeFigureOut">
               <a:rPr lang="en-US" smtClean="0"/>
-              <a:t>12/9/2015</a:t>
+              <a:t>12/9/15</a:t>
             </a:fld>
             <a:endParaRPr lang="en-US"/>
           </a:p>
@@ -767,7 +783,7 @@
           <a:p>
             <a:fld id="{DDADED73-3DFB-7641-B760-2A6E60A49006}" type="datetimeFigureOut">
               <a:rPr lang="en-US" smtClean="0"/>
-              <a:t>12/9/2015</a:t>
+              <a:t>12/9/15</a:t>
             </a:fld>
             <a:endParaRPr lang="en-US"/>
           </a:p>
@@ -947,7 +963,7 @@
           <a:p>
             <a:fld id="{DDADED73-3DFB-7641-B760-2A6E60A49006}" type="datetimeFigureOut">
               <a:rPr lang="en-US" smtClean="0"/>
-              <a:t>12/9/2015</a:t>
+              <a:t>12/9/15</a:t>
             </a:fld>
             <a:endParaRPr lang="en-US"/>
           </a:p>
@@ -1117,7 +1133,7 @@
           <a:p>
             <a:fld id="{DDADED73-3DFB-7641-B760-2A6E60A49006}" type="datetimeFigureOut">
               <a:rPr lang="en-US" smtClean="0"/>
-              <a:t>12/9/2015</a:t>
+              <a:t>12/9/15</a:t>
             </a:fld>
             <a:endParaRPr lang="en-US"/>
           </a:p>
@@ -1363,7 +1379,7 @@
           <a:p>
             <a:fld id="{DDADED73-3DFB-7641-B760-2A6E60A49006}" type="datetimeFigureOut">
               <a:rPr lang="en-US" smtClean="0"/>
-              <a:t>12/9/2015</a:t>
+              <a:t>12/9/15</a:t>
             </a:fld>
             <a:endParaRPr lang="en-US"/>
           </a:p>
@@ -1595,7 +1611,7 @@
           <a:p>
             <a:fld id="{DDADED73-3DFB-7641-B760-2A6E60A49006}" type="datetimeFigureOut">
               <a:rPr lang="en-US" smtClean="0"/>
-              <a:t>12/9/2015</a:t>
+              <a:t>12/9/15</a:t>
             </a:fld>
             <a:endParaRPr lang="en-US"/>
           </a:p>
@@ -1962,7 +1978,7 @@
           <a:p>
             <a:fld id="{DDADED73-3DFB-7641-B760-2A6E60A49006}" type="datetimeFigureOut">
               <a:rPr lang="en-US" smtClean="0"/>
-              <a:t>12/9/2015</a:t>
+              <a:t>12/9/15</a:t>
             </a:fld>
             <a:endParaRPr lang="en-US"/>
           </a:p>
@@ -2080,7 +2096,7 @@
           <a:p>
             <a:fld id="{DDADED73-3DFB-7641-B760-2A6E60A49006}" type="datetimeFigureOut">
               <a:rPr lang="en-US" smtClean="0"/>
-              <a:t>12/9/2015</a:t>
+              <a:t>12/9/15</a:t>
             </a:fld>
             <a:endParaRPr lang="en-US"/>
           </a:p>
@@ -2175,7 +2191,7 @@
           <a:p>
             <a:fld id="{DDADED73-3DFB-7641-B760-2A6E60A49006}" type="datetimeFigureOut">
               <a:rPr lang="en-US" smtClean="0"/>
-              <a:t>12/9/2015</a:t>
+              <a:t>12/9/15</a:t>
             </a:fld>
             <a:endParaRPr lang="en-US"/>
           </a:p>
@@ -2452,7 +2468,7 @@
           <a:p>
             <a:fld id="{DDADED73-3DFB-7641-B760-2A6E60A49006}" type="datetimeFigureOut">
               <a:rPr lang="en-US" smtClean="0"/>
-              <a:t>12/9/2015</a:t>
+              <a:t>12/9/15</a:t>
             </a:fld>
             <a:endParaRPr lang="en-US"/>
           </a:p>
@@ -2705,7 +2721,7 @@
           <a:p>
             <a:fld id="{DDADED73-3DFB-7641-B760-2A6E60A49006}" type="datetimeFigureOut">
               <a:rPr lang="en-US" smtClean="0"/>
-              <a:t>12/9/2015</a:t>
+              <a:t>12/9/15</a:t>
             </a:fld>
             <a:endParaRPr lang="en-US"/>
           </a:p>
@@ -2918,7 +2934,7 @@
           <a:p>
             <a:fld id="{DDADED73-3DFB-7641-B760-2A6E60A49006}" type="datetimeFigureOut">
               <a:rPr lang="en-US" smtClean="0"/>
-              <a:t>12/9/2015</a:t>
+              <a:t>12/9/15</a:t>
             </a:fld>
             <a:endParaRPr lang="en-US"/>
           </a:p>
@@ -3940,7 +3956,15 @@
             </a:pPr>
             <a:r>
               <a:rPr lang="en-US" dirty="0" smtClean="0"/>
-              <a:t>Yahoo Finance</a:t>
+              <a:t>Yahoo </a:t>
+            </a:r>
+            <a:r>
+              <a:rPr lang="en-US" dirty="0" smtClean="0"/>
+              <a:t>Finance via </a:t>
+            </a:r>
+            <a:r>
+              <a:rPr lang="en-US" smtClean="0"/>
+              <a:t>Quandl</a:t>
             </a:r>
             <a:endParaRPr lang="en-US" dirty="0"/>
           </a:p>
@@ -15396,7 +15420,7 @@
   <a:extraClrSchemeLst/>
   <a:extLst>
     <a:ext uri="{05A4C25C-085E-4340-85A3-A5531E510DB2}">
-      <thm15:themeFamily xmlns:thm15="http://schemas.microsoft.com/office/thememl/2012/main" xmlns="" name="Office Theme" id="{62F939B6-93AF-4DB8-9C6B-D6C7DFDC589F}" vid="{4A3C46E8-61CC-4603-A589-7422A47A8E4A}"/>
+      <thm15:themeFamily xmlns:thm15="http://schemas.microsoft.com/office/thememl/2012/main" name="Office Theme" id="{62F939B6-93AF-4DB8-9C6B-D6C7DFDC589F}" vid="{4A3C46E8-61CC-4603-A589-7422A47A8E4A}"/>
     </a:ext>
   </a:extLst>
 </a:theme>
@@ -15657,7 +15681,7 @@
   <a:extraClrSchemeLst/>
   <a:extLst>
     <a:ext uri="{05A4C25C-085E-4340-85A3-A5531E510DB2}">
-      <thm15:themeFamily xmlns:thm15="http://schemas.microsoft.com/office/thememl/2012/main" xmlns="" name="Office Theme" id="{62F939B6-93AF-4DB8-9C6B-D6C7DFDC589F}" vid="{4A3C46E8-61CC-4603-A589-7422A47A8E4A}"/>
+      <thm15:themeFamily xmlns:thm15="http://schemas.microsoft.com/office/thememl/2012/main" name="Office Theme" id="{62F939B6-93AF-4DB8-9C6B-D6C7DFDC589F}" vid="{4A3C46E8-61CC-4603-A589-7422A47A8E4A}"/>
     </a:ext>
   </a:extLst>
 </a:theme>
